--- a/documentacao/powerPoint/totem_Monitoring.pptx
+++ b/documentacao/powerPoint/totem_Monitoring.pptx
@@ -205,7 +205,7 @@
           <a:p>
             <a:fld id="{C452ADB1-275D-430A-89EE-5C7E6CFF6FF2}" type="datetimeFigureOut">
               <a:rPr lang="en-US" smtClean="0"/>
-              <a:t>9/11/2019</a:t>
+              <a:t>10/18/2019</a:t>
             </a:fld>
             <a:endParaRPr lang="en-US" dirty="0"/>
           </a:p>
@@ -9265,7 +9265,7 @@
           <a:p>
             <a:fld id="{7005E26E-BCB2-4FD5-8FD5-81A5EAE94C21}" type="datetime1">
               <a:rPr lang="en-US" smtClean="0"/>
-              <a:t>9/11/2019</a:t>
+              <a:t>10/18/2019</a:t>
             </a:fld>
             <a:endParaRPr lang="en-US" dirty="0"/>
           </a:p>
@@ -9467,7 +9467,7 @@
           <a:p>
             <a:fld id="{9CC2E9B8-0487-42E4-B571-744A3D775783}" type="datetime1">
               <a:rPr lang="en-US" smtClean="0"/>
-              <a:t>9/11/2019</a:t>
+              <a:t>10/18/2019</a:t>
             </a:fld>
             <a:endParaRPr lang="en-US" dirty="0"/>
           </a:p>
@@ -9642,7 +9642,7 @@
           <a:p>
             <a:fld id="{9052E32D-1E84-43FD-8158-FFFE757EB0E8}" type="datetime1">
               <a:rPr lang="en-US" smtClean="0"/>
-              <a:t>9/11/2019</a:t>
+              <a:t>10/18/2019</a:t>
             </a:fld>
             <a:endParaRPr lang="en-US" dirty="0"/>
           </a:p>
@@ -9842,7 +9842,7 @@
           <a:p>
             <a:fld id="{8585C470-CD19-455C-B830-6D252EAD7FE5}" type="datetime1">
               <a:rPr lang="en-US" smtClean="0"/>
-              <a:t>9/11/2019</a:t>
+              <a:t>10/18/2019</a:t>
             </a:fld>
             <a:endParaRPr lang="en-US" dirty="0"/>
           </a:p>
@@ -18735,7 +18735,7 @@
           <a:p>
             <a:fld id="{7F85C43C-50D9-4F49-A136-0EFF292F93ED}" type="datetime1">
               <a:rPr lang="en-US" smtClean="0"/>
-              <a:t>9/11/2019</a:t>
+              <a:t>10/18/2019</a:t>
             </a:fld>
             <a:endParaRPr lang="en-US" dirty="0"/>
           </a:p>
@@ -19004,7 +19004,7 @@
           <a:p>
             <a:fld id="{7B53B1A3-0AEF-4064-A724-D27D660C8653}" type="datetime1">
               <a:rPr lang="en-US" smtClean="0"/>
-              <a:t>9/11/2019</a:t>
+              <a:t>10/18/2019</a:t>
             </a:fld>
             <a:endParaRPr lang="en-US" dirty="0"/>
           </a:p>
@@ -19397,7 +19397,7 @@
           <a:p>
             <a:fld id="{37D5D0F2-BF66-4A24-9384-A0129B196518}" type="datetime1">
               <a:rPr lang="en-US" smtClean="0"/>
-              <a:t>9/11/2019</a:t>
+              <a:t>10/18/2019</a:t>
             </a:fld>
             <a:endParaRPr lang="en-US" dirty="0"/>
           </a:p>
@@ -19510,7 +19510,7 @@
           <a:p>
             <a:fld id="{8C318A6C-4F6B-48D2-BDB0-D7413B3FDB0A}" type="datetime1">
               <a:rPr lang="en-US" smtClean="0"/>
-              <a:t>9/11/2019</a:t>
+              <a:t>10/18/2019</a:t>
             </a:fld>
             <a:endParaRPr lang="en-US" dirty="0"/>
           </a:p>
@@ -19600,7 +19600,7 @@
           <a:p>
             <a:fld id="{BF01ECED-6ECE-4989-B917-9D4D7E6D3C76}" type="datetime1">
               <a:rPr lang="en-US" smtClean="0"/>
-              <a:t>9/11/2019</a:t>
+              <a:t>10/18/2019</a:t>
             </a:fld>
             <a:endParaRPr lang="en-US" dirty="0"/>
           </a:p>
@@ -19885,7 +19885,7 @@
           <a:p>
             <a:fld id="{E3B570E1-CB40-488E-8C6F-EF4211DFFCB0}" type="datetime1">
               <a:rPr lang="en-US" smtClean="0"/>
-              <a:t>9/11/2019</a:t>
+              <a:t>10/18/2019</a:t>
             </a:fld>
             <a:endParaRPr lang="en-US" dirty="0"/>
           </a:p>
@@ -20160,7 +20160,7 @@
           <a:p>
             <a:fld id="{D1CEB6AF-9F5C-43BE-879E-CB9514111250}" type="datetime1">
               <a:rPr lang="en-US" smtClean="0"/>
-              <a:t>9/11/2019</a:t>
+              <a:t>10/18/2019</a:t>
             </a:fld>
             <a:endParaRPr lang="en-US" dirty="0"/>
           </a:p>
@@ -20405,7 +20405,7 @@
           <a:p>
             <a:fld id="{E7EE424C-FCA3-4EDD-B274-8E055D649B7D}" type="datetime1">
               <a:rPr lang="en-US" smtClean="0"/>
-              <a:t>9/11/2019</a:t>
+              <a:t>10/18/2019</a:t>
             </a:fld>
             <a:endParaRPr lang="en-US" dirty="0"/>
           </a:p>
@@ -20920,7 +20920,7 @@
                 <a16:creationId xmlns:a16="http://schemas.microsoft.com/office/drawing/2014/main" id="{2FDF0794-1B86-42B2-B8C7-F60123E638ED}"/>
               </a:ext>
               <a:ext uri="{C183D7F6-B498-43B3-948B-1728B52AA6E4}">
-                <adec:decorative xmlns:adec="http://schemas.microsoft.com/office/drawing/2017/decorative" val="1"/>
+                <adec:decorative xmlns:adec="http://schemas.microsoft.com/office/drawing/2017/decorative" xmlns="" val="1"/>
               </a:ext>
             </a:extLst>
           </p:cNvPr>
@@ -20983,7 +20983,7 @@
                 <a16:creationId xmlns:a16="http://schemas.microsoft.com/office/drawing/2014/main" id="{230BD1B1-AA22-48F1-B3ED-579CD284605D}"/>
               </a:ext>
               <a:ext uri="{C183D7F6-B498-43B3-948B-1728B52AA6E4}">
-                <adec:decorative xmlns:adec="http://schemas.microsoft.com/office/drawing/2017/decorative" val="1"/>
+                <adec:decorative xmlns:adec="http://schemas.microsoft.com/office/drawing/2017/decorative" xmlns="" val="1"/>
               </a:ext>
             </a:extLst>
           </p:cNvPr>
@@ -21015,7 +21015,7 @@
                 <a16:creationId xmlns:a16="http://schemas.microsoft.com/office/drawing/2014/main" id="{EAA48FC5-3C83-4F1B-BC33-DF0B588F8317}"/>
               </a:ext>
               <a:ext uri="{C183D7F6-B498-43B3-948B-1728B52AA6E4}">
-                <adec:decorative xmlns:adec="http://schemas.microsoft.com/office/drawing/2017/decorative" val="1"/>
+                <adec:decorative xmlns:adec="http://schemas.microsoft.com/office/drawing/2017/decorative" xmlns="" val="1"/>
               </a:ext>
             </a:extLst>
           </p:cNvPr>
@@ -21118,7 +21118,7 @@
                 <a16:creationId xmlns:a16="http://schemas.microsoft.com/office/drawing/2014/main" id="{62F01714-1A39-4194-BD47-8A9960C59985}"/>
               </a:ext>
               <a:ext uri="{C183D7F6-B498-43B3-948B-1728B52AA6E4}">
-                <adec:decorative xmlns:adec="http://schemas.microsoft.com/office/drawing/2017/decorative" val="1"/>
+                <adec:decorative xmlns:adec="http://schemas.microsoft.com/office/drawing/2017/decorative" xmlns="" val="1"/>
               </a:ext>
             </a:extLst>
           </p:cNvPr>
@@ -22581,7 +22581,7 @@
                 <a16:creationId xmlns:a16="http://schemas.microsoft.com/office/drawing/2014/main" id="{CA4D39DB-AFA4-47BA-A7F2-13A71D210C66}"/>
               </a:ext>
               <a:ext uri="{C183D7F6-B498-43B3-948B-1728B52AA6E4}">
-                <adec:decorative xmlns:adec="http://schemas.microsoft.com/office/drawing/2017/decorative" val="1"/>
+                <adec:decorative xmlns:adec="http://schemas.microsoft.com/office/drawing/2017/decorative" xmlns="" val="1"/>
               </a:ext>
             </a:extLst>
           </p:cNvPr>
@@ -23076,7 +23076,7 @@
         </p:nvSpPr>
         <p:spPr>
           <a:xfrm>
-            <a:off x="647000" y="4962150"/>
+            <a:off x="617767" y="4693059"/>
             <a:ext cx="10898000" cy="1413600"/>
           </a:xfrm>
           <a:prstGeom prst="rect">
@@ -23120,7 +23120,25 @@
               <a:rPr lang="pt-BR" sz="2000" dirty="0">
                 <a:latin typeface="+mj-lt"/>
               </a:rPr>
-              <a:t>Aumento considerável de fila tendo como motivo os incidentes;</a:t>
+              <a:t>Aumento considerável </a:t>
+            </a:r>
+            <a:r>
+              <a:rPr lang="pt-BR" sz="2000" dirty="0" smtClean="0">
+                <a:latin typeface="+mj-lt"/>
+              </a:rPr>
+              <a:t>do uso do totem </a:t>
+            </a:r>
+            <a:r>
+              <a:rPr lang="pt-BR" sz="2000" dirty="0" smtClean="0">
+                <a:latin typeface="+mj-lt"/>
+              </a:rPr>
+              <a:t>tendo </a:t>
+            </a:r>
+            <a:r>
+              <a:rPr lang="pt-BR" sz="2000" dirty="0">
+                <a:latin typeface="+mj-lt"/>
+              </a:rPr>
+              <a:t>como motivo os incidentes;</a:t>
             </a:r>
             <a:endParaRPr sz="2000" dirty="0">
               <a:latin typeface="+mj-lt"/>
@@ -23154,8 +23172,68 @@
               <a:rPr lang="pt-BR" sz="2000" dirty="0">
                 <a:latin typeface="+mj-lt"/>
               </a:rPr>
-              <a:t>Falta de monitoramento nas máquinas.</a:t>
+              <a:t>Falta de monitoramento nas </a:t>
             </a:r>
+            <a:r>
+              <a:rPr lang="pt-BR" sz="2000" dirty="0" smtClean="0">
+                <a:latin typeface="+mj-lt"/>
+              </a:rPr>
+              <a:t>máquinas</a:t>
+            </a:r>
+            <a:r>
+              <a:rPr lang="pt-BR" sz="2000" dirty="0">
+                <a:latin typeface="+mj-lt"/>
+              </a:rPr>
+              <a:t>;</a:t>
+            </a:r>
+            <a:endParaRPr lang="pt-BR" sz="2000" dirty="0" smtClean="0">
+              <a:latin typeface="+mj-lt"/>
+            </a:endParaRPr>
+          </a:p>
+          <a:p>
+            <a:pPr marL="609585" indent="-414856">
+              <a:buSzPct val="145000"/>
+              <a:buBlip>
+                <a:blip r:embed="rId2"/>
+              </a:buBlip>
+            </a:pPr>
+            <a:r>
+              <a:rPr lang="pt-BR" sz="2000" dirty="0" smtClean="0">
+                <a:latin typeface="+mj-lt"/>
+              </a:rPr>
+              <a:t>Não possui histórico de relatório dos outros turnos;</a:t>
+            </a:r>
+          </a:p>
+          <a:p>
+            <a:pPr marL="609585" indent="-414856">
+              <a:buSzPct val="145000"/>
+              <a:buBlip>
+                <a:blip r:embed="rId2"/>
+              </a:buBlip>
+            </a:pPr>
+            <a:r>
+              <a:rPr lang="pt-BR" sz="2000" dirty="0" smtClean="0">
+                <a:latin typeface="+mj-lt"/>
+              </a:rPr>
+              <a:t>Reclamações </a:t>
+            </a:r>
+            <a:r>
+              <a:rPr lang="pt-BR" sz="2000" smtClean="0">
+                <a:latin typeface="+mj-lt"/>
+              </a:rPr>
+              <a:t>do superior;</a:t>
+            </a:r>
+            <a:endParaRPr lang="pt-BR" sz="2000" dirty="0" smtClean="0">
+              <a:latin typeface="+mj-lt"/>
+            </a:endParaRPr>
+          </a:p>
+          <a:p>
+            <a:pPr marL="609585" indent="-414856">
+              <a:buSzPct val="145000"/>
+              <a:buBlip>
+                <a:blip r:embed="rId2"/>
+              </a:buBlip>
+            </a:pPr>
             <a:endParaRPr sz="2000" dirty="0">
               <a:latin typeface="+mj-lt"/>
             </a:endParaRPr>
@@ -23176,7 +23254,7 @@
         </p:nvSpPr>
         <p:spPr>
           <a:xfrm>
-            <a:off x="2575276" y="1954277"/>
+            <a:off x="2574247" y="2131926"/>
             <a:ext cx="2657417" cy="666800"/>
           </a:xfrm>
           <a:prstGeom prst="rect">
@@ -23306,55 +23384,6 @@
           </a:p>
         </p:txBody>
       </p:sp>
-      <p:pic>
-        <p:nvPicPr>
-          <p:cNvPr id="13" name="Google Shape;63;p13">
-            <a:extLst>
-              <a:ext uri="{FF2B5EF4-FFF2-40B4-BE49-F238E27FC236}">
-                <a16:creationId xmlns:a16="http://schemas.microsoft.com/office/drawing/2014/main" id="{B7AF22D8-FC17-4653-B4EA-12E01095E25B}"/>
-              </a:ext>
-            </a:extLst>
-          </p:cNvPr>
-          <p:cNvPicPr preferRelativeResize="0"/>
-          <p:nvPr/>
-        </p:nvPicPr>
-        <p:blipFill>
-          <a:blip r:embed="rId3">
-            <a:alphaModFix/>
-            <a:extLst>
-              <a:ext uri="{BEBA8EAE-BF5A-486C-A8C5-ECC9F3942E4B}">
-                <a14:imgProps xmlns:a14="http://schemas.microsoft.com/office/drawing/2010/main">
-                  <a14:imgLayer r:embed="rId4">
-                    <a14:imgEffect>
-                      <a14:backgroundRemoval t="10000" b="92333" l="10000" r="90000">
-                        <a14:foregroundMark x1="30333" y1="89583" x2="45889" y2="92333"/>
-                        <a14:foregroundMark x1="46667" y1="33500" x2="53333" y2="52417"/>
-                        <a14:foregroundMark x1="56333" y1="40750" x2="55556" y2="54083"/>
-                      </a14:backgroundRemoval>
-                    </a14:imgEffect>
-                  </a14:imgLayer>
-                </a14:imgProps>
-              </a:ext>
-            </a:extLst>
-          </a:blip>
-          <a:stretch>
-            <a:fillRect/>
-          </a:stretch>
-        </p:blipFill>
-        <p:spPr>
-          <a:xfrm>
-            <a:off x="1228382" y="1163341"/>
-            <a:ext cx="1843200" cy="2457600"/>
-          </a:xfrm>
-          <a:prstGeom prst="rect">
-            <a:avLst/>
-          </a:prstGeom>
-          <a:noFill/>
-          <a:ln>
-            <a:noFill/>
-          </a:ln>
-        </p:spPr>
-      </p:pic>
       <p:sp>
         <p:nvSpPr>
           <p:cNvPr id="7" name="Google Shape;57;p13">
@@ -23448,12 +23477,12 @@
           <p:nvPr/>
         </p:nvPicPr>
         <p:blipFill>
-          <a:blip r:embed="rId5">
+          <a:blip r:embed="rId3">
             <a:alphaModFix amt="70000"/>
             <a:extLst>
               <a:ext uri="{BEBA8EAE-BF5A-486C-A8C5-ECC9F3942E4B}">
                 <a14:imgProps xmlns:a14="http://schemas.microsoft.com/office/drawing/2010/main">
-                  <a14:imgLayer r:embed="rId6">
+                  <a14:imgLayer r:embed="rId4">
                     <a14:imgEffect>
                       <a14:brightnessContrast bright="-40000" contrast="40000"/>
                     </a14:imgEffect>
@@ -23474,6 +23503,60 @@
           <a:prstGeom prst="rect">
             <a:avLst/>
           </a:prstGeom>
+        </p:spPr>
+      </p:pic>
+      <p:pic>
+        <p:nvPicPr>
+          <p:cNvPr id="17" name="Imagem 16"/>
+          <p:cNvPicPr>
+            <a:picLocks noChangeAspect="1"/>
+          </p:cNvPicPr>
+          <p:nvPr/>
+        </p:nvPicPr>
+        <p:blipFill>
+          <a:blip r:embed="rId5">
+            <a:extLst>
+              <a:ext uri="{BEBA8EAE-BF5A-486C-A8C5-ECC9F3942E4B}">
+                <a14:imgProps xmlns:a14="http://schemas.microsoft.com/office/drawing/2010/main">
+                  <a14:imgLayer r:embed="rId6">
+                    <a14:imgEffect>
+                      <a14:backgroundRemoval t="1000" b="100000" l="10000" r="95200">
+                        <a14:backgroundMark x1="74600" y1="70400" x2="74600" y2="70400"/>
+                      </a14:backgroundRemoval>
+                    </a14:imgEffect>
+                  </a14:imgLayer>
+                </a14:imgProps>
+              </a:ext>
+              <a:ext uri="{28A0092B-C50C-407E-A947-70E740481C1C}">
+                <a14:useLocalDpi xmlns:a14="http://schemas.microsoft.com/office/drawing/2010/main" val="0"/>
+              </a:ext>
+            </a:extLst>
+          </a:blip>
+          <a:stretch>
+            <a:fillRect/>
+          </a:stretch>
+        </p:blipFill>
+        <p:spPr>
+          <a:xfrm>
+            <a:off x="637810" y="1647970"/>
+            <a:ext cx="1778820" cy="1778820"/>
+          </a:xfrm>
+          <a:prstGeom prst="roundRect">
+            <a:avLst>
+              <a:gd name="adj" fmla="val 8594"/>
+            </a:avLst>
+          </a:prstGeom>
+          <a:solidFill>
+            <a:srgbClr val="FFFFFF">
+              <a:shade val="85000"/>
+            </a:srgbClr>
+          </a:solidFill>
+          <a:ln>
+            <a:noFill/>
+          </a:ln>
+          <a:effectLst>
+            <a:reflection blurRad="12700" stA="38000" endPos="28000" dist="5000" dir="5400000" sy="-100000" algn="bl" rotWithShape="0"/>
+          </a:effectLst>
         </p:spPr>
       </p:pic>
     </p:spTree>
@@ -23522,7 +23605,7 @@
                 <a16:creationId xmlns:a16="http://schemas.microsoft.com/office/drawing/2014/main" id="{3A8EC506-B1DA-46A1-B44D-774E68468E13}"/>
               </a:ext>
               <a:ext uri="{C183D7F6-B498-43B3-948B-1728B52AA6E4}">
-                <adec:decorative xmlns:adec="http://schemas.microsoft.com/office/drawing/2017/decorative" val="1"/>
+                <adec:decorative xmlns:adec="http://schemas.microsoft.com/office/drawing/2017/decorative" xmlns="" val="1"/>
               </a:ext>
             </a:extLst>
           </p:cNvPr>
@@ -23579,7 +23662,7 @@
                 <a16:creationId xmlns:a16="http://schemas.microsoft.com/office/drawing/2014/main" id="{BFF30785-305E-45D7-984F-5AA93D3CA561}"/>
               </a:ext>
               <a:ext uri="{C183D7F6-B498-43B3-948B-1728B52AA6E4}">
-                <adec:decorative xmlns:adec="http://schemas.microsoft.com/office/drawing/2017/decorative" val="1"/>
+                <adec:decorative xmlns:adec="http://schemas.microsoft.com/office/drawing/2017/decorative" xmlns="" val="1"/>
               </a:ext>
             </a:extLst>
           </p:cNvPr>
@@ -32197,7 +32280,7 @@
                 <a16:creationId xmlns:a16="http://schemas.microsoft.com/office/drawing/2014/main" id="{15E01FA5-D766-43CA-A83D-E7CF3F04E96F}"/>
               </a:ext>
               <a:ext uri="{C183D7F6-B498-43B3-948B-1728B52AA6E4}">
-                <adec:decorative xmlns:adec="http://schemas.microsoft.com/office/drawing/2017/decorative" val="1"/>
+                <adec:decorative xmlns:adec="http://schemas.microsoft.com/office/drawing/2017/decorative" xmlns="" val="1"/>
               </a:ext>
             </a:extLst>
           </p:cNvPr>
@@ -32251,7 +32334,7 @@
                 <a16:creationId xmlns:a16="http://schemas.microsoft.com/office/drawing/2014/main" id="{C411DB08-1669-426B-BBEB-FAD285EF80FE}"/>
               </a:ext>
               <a:ext uri="{C183D7F6-B498-43B3-948B-1728B52AA6E4}">
-                <adec:decorative xmlns:adec="http://schemas.microsoft.com/office/drawing/2017/decorative" val="1"/>
+                <adec:decorative xmlns:adec="http://schemas.microsoft.com/office/drawing/2017/decorative" xmlns="" val="1"/>
               </a:ext>
             </a:extLst>
           </p:cNvPr>
@@ -32311,7 +32394,7 @@
                 <a16:creationId xmlns:a16="http://schemas.microsoft.com/office/drawing/2014/main" id="{029E4219-121F-4CD1-AA58-24746CD2923C}"/>
               </a:ext>
               <a:ext uri="{C183D7F6-B498-43B3-948B-1728B52AA6E4}">
-                <adec:decorative xmlns:adec="http://schemas.microsoft.com/office/drawing/2017/decorative" val="1"/>
+                <adec:decorative xmlns:adec="http://schemas.microsoft.com/office/drawing/2017/decorative" xmlns="" val="1"/>
               </a:ext>
             </a:extLst>
           </p:cNvPr>
@@ -32417,7 +32500,7 @@
                 <a16:creationId xmlns:a16="http://schemas.microsoft.com/office/drawing/2014/main" id="{52F50912-06FD-4216-BAD3-21050F59564A}"/>
               </a:ext>
               <a:ext uri="{C183D7F6-B498-43B3-948B-1728B52AA6E4}">
-                <adec:decorative xmlns:adec="http://schemas.microsoft.com/office/drawing/2017/decorative" val="1"/>
+                <adec:decorative xmlns:adec="http://schemas.microsoft.com/office/drawing/2017/decorative" xmlns="" val="1"/>
               </a:ext>
             </a:extLst>
           </p:cNvPr>
@@ -32540,7 +32623,7 @@
                 <a16:creationId xmlns:a16="http://schemas.microsoft.com/office/drawing/2014/main" id="{3A8EC506-B1DA-46A1-B44D-774E68468E13}"/>
               </a:ext>
               <a:ext uri="{C183D7F6-B498-43B3-948B-1728B52AA6E4}">
-                <adec:decorative xmlns:adec="http://schemas.microsoft.com/office/drawing/2017/decorative" val="1"/>
+                <adec:decorative xmlns:adec="http://schemas.microsoft.com/office/drawing/2017/decorative" xmlns="" val="1"/>
               </a:ext>
             </a:extLst>
           </p:cNvPr>
@@ -32597,7 +32680,7 @@
                 <a16:creationId xmlns:a16="http://schemas.microsoft.com/office/drawing/2014/main" id="{BFF30785-305E-45D7-984F-5AA93D3CA561}"/>
               </a:ext>
               <a:ext uri="{C183D7F6-B498-43B3-948B-1728B52AA6E4}">
-                <adec:decorative xmlns:adec="http://schemas.microsoft.com/office/drawing/2017/decorative" val="1"/>
+                <adec:decorative xmlns:adec="http://schemas.microsoft.com/office/drawing/2017/decorative" xmlns="" val="1"/>
               </a:ext>
             </a:extLst>
           </p:cNvPr>
@@ -41215,7 +41298,7 @@
                 <a16:creationId xmlns:a16="http://schemas.microsoft.com/office/drawing/2014/main" id="{15E01FA5-D766-43CA-A83D-E7CF3F04E96F}"/>
               </a:ext>
               <a:ext uri="{C183D7F6-B498-43B3-948B-1728B52AA6E4}">
-                <adec:decorative xmlns:adec="http://schemas.microsoft.com/office/drawing/2017/decorative" val="1"/>
+                <adec:decorative xmlns:adec="http://schemas.microsoft.com/office/drawing/2017/decorative" xmlns="" val="1"/>
               </a:ext>
             </a:extLst>
           </p:cNvPr>
@@ -41269,7 +41352,7 @@
                 <a16:creationId xmlns:a16="http://schemas.microsoft.com/office/drawing/2014/main" id="{42DD0C21-8FEE-4C18-8789-CC8ABE206FE6}"/>
               </a:ext>
               <a:ext uri="{C183D7F6-B498-43B3-948B-1728B52AA6E4}">
-                <adec:decorative xmlns:adec="http://schemas.microsoft.com/office/drawing/2017/decorative" val="1"/>
+                <adec:decorative xmlns:adec="http://schemas.microsoft.com/office/drawing/2017/decorative" xmlns="" val="1"/>
               </a:ext>
             </a:extLst>
           </p:cNvPr>
@@ -41329,7 +41412,7 @@
                 <a16:creationId xmlns:a16="http://schemas.microsoft.com/office/drawing/2014/main" id="{A4B51757-7607-4CEA-A0EE-3C5BDC2C1CFB}"/>
               </a:ext>
               <a:ext uri="{C183D7F6-B498-43B3-948B-1728B52AA6E4}">
-                <adec:decorative xmlns:adec="http://schemas.microsoft.com/office/drawing/2017/decorative" val="1"/>
+                <adec:decorative xmlns:adec="http://schemas.microsoft.com/office/drawing/2017/decorative" xmlns="" val="1"/>
               </a:ext>
             </a:extLst>
           </p:cNvPr>
@@ -41477,7 +41560,7 @@
                 <a16:creationId xmlns:a16="http://schemas.microsoft.com/office/drawing/2014/main" id="{FEF39256-F095-41C8-8707-6C1A665E8F2F}"/>
               </a:ext>
               <a:ext uri="{C183D7F6-B498-43B3-948B-1728B52AA6E4}">
-                <adec:decorative xmlns:adec="http://schemas.microsoft.com/office/drawing/2017/decorative" val="1"/>
+                <adec:decorative xmlns:adec="http://schemas.microsoft.com/office/drawing/2017/decorative" xmlns="" val="1"/>
               </a:ext>
             </a:extLst>
           </p:cNvPr>
@@ -42155,11 +42238,12 @@
 </file>
 
 <file path=customXml/item1.xml><?xml version="1.0" encoding="utf-8"?>
-<p:properties xmlns:p="http://schemas.microsoft.com/office/2006/metadata/properties" xmlns:xsi="http://www.w3.org/2001/XMLSchema-instance" xmlns:pc="http://schemas.microsoft.com/office/infopath/2007/PartnerControls">
-  <documentManagement>
-    <MediaServiceKeyPoints xmlns="71af3243-3dd4-4a8d-8c0d-dd76da1f02a5" xsi:nil="true"/>
-  </documentManagement>
-</p:properties>
+<?mso-contentType ?>
+<FormTemplates xmlns="http://schemas.microsoft.com/sharepoint/v3/contenttype/forms">
+  <Display>DocumentLibraryForm</Display>
+  <Edit>DocumentLibraryForm</Edit>
+  <New>DocumentLibraryForm</New>
+</FormTemplates>
 </file>
 
 <file path=customXml/item2.xml><?xml version="1.0" encoding="utf-8"?>
@@ -42374,20 +42458,17 @@
 </file>
 
 <file path=customXml/item3.xml><?xml version="1.0" encoding="utf-8"?>
-<?mso-contentType ?>
-<FormTemplates xmlns="http://schemas.microsoft.com/sharepoint/v3/contenttype/forms">
-  <Display>DocumentLibraryForm</Display>
-  <Edit>DocumentLibraryForm</Edit>
-  <New>DocumentLibraryForm</New>
-</FormTemplates>
+<p:properties xmlns:p="http://schemas.microsoft.com/office/2006/metadata/properties" xmlns:xsi="http://www.w3.org/2001/XMLSchema-instance" xmlns:pc="http://schemas.microsoft.com/office/infopath/2007/PartnerControls">
+  <documentManagement>
+    <MediaServiceKeyPoints xmlns="71af3243-3dd4-4a8d-8c0d-dd76da1f02a5" xsi:nil="true"/>
+  </documentManagement>
+</p:properties>
 </file>
 
 <file path=customXml/itemProps1.xml><?xml version="1.0" encoding="utf-8"?>
-<ds:datastoreItem xmlns:ds="http://schemas.openxmlformats.org/officeDocument/2006/customXml" ds:itemID="{788A2F88-55C5-4ED1-9541-807C65424763}">
+<ds:datastoreItem xmlns:ds="http://schemas.openxmlformats.org/officeDocument/2006/customXml" ds:itemID="{4F44C90D-2A62-4985-9618-3460247437B1}">
   <ds:schemaRefs>
-    <ds:schemaRef ds:uri="http://schemas.microsoft.com/office/2006/metadata/properties"/>
-    <ds:schemaRef ds:uri="http://schemas.microsoft.com/office/infopath/2007/PartnerControls"/>
-    <ds:schemaRef ds:uri="71af3243-3dd4-4a8d-8c0d-dd76da1f02a5"/>
+    <ds:schemaRef ds:uri="http://schemas.microsoft.com/sharepoint/v3/contenttype/forms"/>
   </ds:schemaRefs>
 </ds:datastoreItem>
 </file>
@@ -42412,9 +42493,11 @@
 </file>
 
 <file path=customXml/itemProps3.xml><?xml version="1.0" encoding="utf-8"?>
-<ds:datastoreItem xmlns:ds="http://schemas.openxmlformats.org/officeDocument/2006/customXml" ds:itemID="{4F44C90D-2A62-4985-9618-3460247437B1}">
+<ds:datastoreItem xmlns:ds="http://schemas.openxmlformats.org/officeDocument/2006/customXml" ds:itemID="{788A2F88-55C5-4ED1-9541-807C65424763}">
   <ds:schemaRefs>
-    <ds:schemaRef ds:uri="http://schemas.microsoft.com/sharepoint/v3/contenttype/forms"/>
+    <ds:schemaRef ds:uri="http://schemas.microsoft.com/office/2006/metadata/properties"/>
+    <ds:schemaRef ds:uri="http://schemas.microsoft.com/office/infopath/2007/PartnerControls"/>
+    <ds:schemaRef ds:uri="71af3243-3dd4-4a8d-8c0d-dd76da1f02a5"/>
   </ds:schemaRefs>
 </ds:datastoreItem>
 </file>